--- a/img/pipeline2.pptx
+++ b/img/pipeline2.pptx
@@ -115,7 +115,7 @@
 <file path=ppt/revisionInfo.xml><?xml version="1.0" encoding="utf-8"?>
 <p1510:revInfo xmlns:a="http://schemas.openxmlformats.org/drawingml/2006/main" xmlns:r="http://schemas.openxmlformats.org/officeDocument/2006/relationships" xmlns:p1510="http://schemas.microsoft.com/office/powerpoint/2015/10/main">
   <p1510:revLst>
-    <p1510:client id="{689358FF-BA15-46ED-B23E-2C8B180D406D}" v="44" dt="2025-01-30T13:36:48.666"/>
+    <p1510:client id="{689358FF-BA15-46ED-B23E-2C8B180D406D}" v="103" dt="2025-01-30T23:55:15.734"/>
   </p1510:revLst>
 </p1510:revInfo>
 </file>
@@ -125,12 +125,12 @@
   <pc:docChgLst>
     <pc:chgData name="Bo Tang" userId="332dbdf67b1791cd" providerId="LiveId" clId="{689358FF-BA15-46ED-B23E-2C8B180D406D}"/>
     <pc:docChg chg="undo redo custSel modSld modMainMaster">
-      <pc:chgData name="Bo Tang" userId="332dbdf67b1791cd" providerId="LiveId" clId="{689358FF-BA15-46ED-B23E-2C8B180D406D}" dt="2025-01-30T13:36:48.666" v="367" actId="164"/>
+      <pc:chgData name="Bo Tang" userId="332dbdf67b1791cd" providerId="LiveId" clId="{689358FF-BA15-46ED-B23E-2C8B180D406D}" dt="2025-01-30T23:56:27.737" v="468" actId="1076"/>
       <pc:docMkLst>
         <pc:docMk/>
       </pc:docMkLst>
       <pc:sldChg chg="addSp delSp modSp mod">
-        <pc:chgData name="Bo Tang" userId="332dbdf67b1791cd" providerId="LiveId" clId="{689358FF-BA15-46ED-B23E-2C8B180D406D}" dt="2025-01-30T13:36:48.666" v="367" actId="164"/>
+        <pc:chgData name="Bo Tang" userId="332dbdf67b1791cd" providerId="LiveId" clId="{689358FF-BA15-46ED-B23E-2C8B180D406D}" dt="2025-01-30T23:56:27.737" v="468" actId="1076"/>
         <pc:sldMkLst>
           <pc:docMk/>
           <pc:sldMk cId="3270898817" sldId="256"/>
@@ -144,7 +144,7 @@
           </ac:spMkLst>
         </pc:spChg>
         <pc:spChg chg="add mod">
-          <ac:chgData name="Bo Tang" userId="332dbdf67b1791cd" providerId="LiveId" clId="{689358FF-BA15-46ED-B23E-2C8B180D406D}" dt="2025-01-30T13:10:36.857" v="338" actId="1035"/>
+          <ac:chgData name="Bo Tang" userId="332dbdf67b1791cd" providerId="LiveId" clId="{689358FF-BA15-46ED-B23E-2C8B180D406D}" dt="2025-01-30T19:04:21.977" v="415" actId="165"/>
           <ac:spMkLst>
             <pc:docMk/>
             <pc:sldMk cId="3270898817" sldId="256"/>
@@ -152,7 +152,7 @@
           </ac:spMkLst>
         </pc:spChg>
         <pc:spChg chg="mod">
-          <ac:chgData name="Bo Tang" userId="332dbdf67b1791cd" providerId="LiveId" clId="{689358FF-BA15-46ED-B23E-2C8B180D406D}" dt="2025-01-30T13:10:36.857" v="338" actId="1035"/>
+          <ac:chgData name="Bo Tang" userId="332dbdf67b1791cd" providerId="LiveId" clId="{689358FF-BA15-46ED-B23E-2C8B180D406D}" dt="2025-01-30T19:04:21.977" v="415" actId="165"/>
           <ac:spMkLst>
             <pc:docMk/>
             <pc:sldMk cId="3270898817" sldId="256"/>
@@ -160,7 +160,7 @@
           </ac:spMkLst>
         </pc:spChg>
         <pc:spChg chg="mod">
-          <ac:chgData name="Bo Tang" userId="332dbdf67b1791cd" providerId="LiveId" clId="{689358FF-BA15-46ED-B23E-2C8B180D406D}" dt="2025-01-30T13:25:30.312" v="354" actId="207"/>
+          <ac:chgData name="Bo Tang" userId="332dbdf67b1791cd" providerId="LiveId" clId="{689358FF-BA15-46ED-B23E-2C8B180D406D}" dt="2025-01-30T19:04:21.977" v="415" actId="165"/>
           <ac:spMkLst>
             <pc:docMk/>
             <pc:sldMk cId="3270898817" sldId="256"/>
@@ -168,7 +168,31 @@
           </ac:spMkLst>
         </pc:spChg>
         <pc:spChg chg="mod">
-          <ac:chgData name="Bo Tang" userId="332dbdf67b1791cd" providerId="LiveId" clId="{689358FF-BA15-46ED-B23E-2C8B180D406D}" dt="2025-01-30T13:36:06.367" v="358" actId="165"/>
+          <ac:chgData name="Bo Tang" userId="332dbdf67b1791cd" providerId="LiveId" clId="{689358FF-BA15-46ED-B23E-2C8B180D406D}" dt="2025-01-30T23:54:24.155" v="456" actId="20577"/>
+          <ac:spMkLst>
+            <pc:docMk/>
+            <pc:sldMk cId="3270898817" sldId="256"/>
+            <ac:spMk id="216" creationId="{35CC4B50-E03D-007F-E2A3-7FAD145B5C9B}"/>
+          </ac:spMkLst>
+        </pc:spChg>
+        <pc:spChg chg="mod">
+          <ac:chgData name="Bo Tang" userId="332dbdf67b1791cd" providerId="LiveId" clId="{689358FF-BA15-46ED-B23E-2C8B180D406D}" dt="2025-01-30T23:54:21.963" v="454"/>
+          <ac:spMkLst>
+            <pc:docMk/>
+            <pc:sldMk cId="3270898817" sldId="256"/>
+            <ac:spMk id="217" creationId="{C486C36A-E9DA-69C0-814E-2E3597656641}"/>
+          </ac:spMkLst>
+        </pc:spChg>
+        <pc:spChg chg="mod">
+          <ac:chgData name="Bo Tang" userId="332dbdf67b1791cd" providerId="LiveId" clId="{689358FF-BA15-46ED-B23E-2C8B180D406D}" dt="2025-01-30T23:54:21.963" v="454"/>
+          <ac:spMkLst>
+            <pc:docMk/>
+            <pc:sldMk cId="3270898817" sldId="256"/>
+            <ac:spMk id="218" creationId="{92AE6D0F-F84E-58D5-A91B-46C86DDCE18D}"/>
+          </ac:spMkLst>
+        </pc:spChg>
+        <pc:spChg chg="mod">
+          <ac:chgData name="Bo Tang" userId="332dbdf67b1791cd" providerId="LiveId" clId="{689358FF-BA15-46ED-B23E-2C8B180D406D}" dt="2025-01-30T23:54:21.963" v="454"/>
           <ac:spMkLst>
             <pc:docMk/>
             <pc:sldMk cId="3270898817" sldId="256"/>
@@ -176,7 +200,39 @@
           </ac:spMkLst>
         </pc:spChg>
         <pc:spChg chg="mod">
-          <ac:chgData name="Bo Tang" userId="332dbdf67b1791cd" providerId="LiveId" clId="{689358FF-BA15-46ED-B23E-2C8B180D406D}" dt="2025-01-30T13:06:40.055" v="265" actId="403"/>
+          <ac:chgData name="Bo Tang" userId="332dbdf67b1791cd" providerId="LiveId" clId="{689358FF-BA15-46ED-B23E-2C8B180D406D}" dt="2025-01-30T23:52:17.937" v="448" actId="6549"/>
+          <ac:spMkLst>
+            <pc:docMk/>
+            <pc:sldMk cId="3270898817" sldId="256"/>
+            <ac:spMk id="222" creationId="{A2FE3DFB-E84C-1BD0-0918-DA7081BBDF49}"/>
+          </ac:spMkLst>
+        </pc:spChg>
+        <pc:spChg chg="mod">
+          <ac:chgData name="Bo Tang" userId="332dbdf67b1791cd" providerId="LiveId" clId="{689358FF-BA15-46ED-B23E-2C8B180D406D}" dt="2025-01-30T23:51:32.010" v="439" actId="20577"/>
+          <ac:spMkLst>
+            <pc:docMk/>
+            <pc:sldMk cId="3270898817" sldId="256"/>
+            <ac:spMk id="223" creationId="{E43DD1F4-52E1-EEE7-54C8-021FB8B45510}"/>
+          </ac:spMkLst>
+        </pc:spChg>
+        <pc:spChg chg="mod">
+          <ac:chgData name="Bo Tang" userId="332dbdf67b1791cd" providerId="LiveId" clId="{689358FF-BA15-46ED-B23E-2C8B180D406D}" dt="2025-01-30T23:51:32.010" v="439" actId="20577"/>
+          <ac:spMkLst>
+            <pc:docMk/>
+            <pc:sldMk cId="3270898817" sldId="256"/>
+            <ac:spMk id="224" creationId="{65BBA0B7-C51A-9893-9AE8-57B810F853F9}"/>
+          </ac:spMkLst>
+        </pc:spChg>
+        <pc:spChg chg="mod">
+          <ac:chgData name="Bo Tang" userId="332dbdf67b1791cd" providerId="LiveId" clId="{689358FF-BA15-46ED-B23E-2C8B180D406D}" dt="2025-01-30T23:51:32.010" v="439" actId="20577"/>
+          <ac:spMkLst>
+            <pc:docMk/>
+            <pc:sldMk cId="3270898817" sldId="256"/>
+            <ac:spMk id="225" creationId="{DFBB8C73-DE4B-C232-A8FE-913B7EBC5D90}"/>
+          </ac:spMkLst>
+        </pc:spChg>
+        <pc:spChg chg="mod">
+          <ac:chgData name="Bo Tang" userId="332dbdf67b1791cd" providerId="LiveId" clId="{689358FF-BA15-46ED-B23E-2C8B180D406D}" dt="2025-01-30T23:51:32.010" v="439" actId="20577"/>
           <ac:spMkLst>
             <pc:docMk/>
             <pc:sldMk cId="3270898817" sldId="256"/>
@@ -184,11 +240,43 @@
           </ac:spMkLst>
         </pc:spChg>
         <pc:spChg chg="mod">
-          <ac:chgData name="Bo Tang" userId="332dbdf67b1791cd" providerId="LiveId" clId="{689358FF-BA15-46ED-B23E-2C8B180D406D}" dt="2025-01-30T13:10:45.429" v="339" actId="165"/>
+          <ac:chgData name="Bo Tang" userId="332dbdf67b1791cd" providerId="LiveId" clId="{689358FF-BA15-46ED-B23E-2C8B180D406D}" dt="2025-01-30T23:51:32.010" v="439" actId="20577"/>
+          <ac:spMkLst>
+            <pc:docMk/>
+            <pc:sldMk cId="3270898817" sldId="256"/>
+            <ac:spMk id="227" creationId="{CAE83809-3A29-08CE-3550-2FE7D97A577E}"/>
+          </ac:spMkLst>
+        </pc:spChg>
+        <pc:spChg chg="mod">
+          <ac:chgData name="Bo Tang" userId="332dbdf67b1791cd" providerId="LiveId" clId="{689358FF-BA15-46ED-B23E-2C8B180D406D}" dt="2025-01-30T23:51:32.010" v="439" actId="20577"/>
           <ac:spMkLst>
             <pc:docMk/>
             <pc:sldMk cId="3270898817" sldId="256"/>
             <ac:spMk id="228" creationId="{8829E59F-74F9-B06F-FB5D-F2C6050CA062}"/>
+          </ac:spMkLst>
+        </pc:spChg>
+        <pc:spChg chg="mod">
+          <ac:chgData name="Bo Tang" userId="332dbdf67b1791cd" providerId="LiveId" clId="{689358FF-BA15-46ED-B23E-2C8B180D406D}" dt="2025-01-30T23:51:32.010" v="439" actId="20577"/>
+          <ac:spMkLst>
+            <pc:docMk/>
+            <pc:sldMk cId="3270898817" sldId="256"/>
+            <ac:spMk id="229" creationId="{888479C5-23D2-8B42-858A-DE21668DAC76}"/>
+          </ac:spMkLst>
+        </pc:spChg>
+        <pc:spChg chg="mod">
+          <ac:chgData name="Bo Tang" userId="332dbdf67b1791cd" providerId="LiveId" clId="{689358FF-BA15-46ED-B23E-2C8B180D406D}" dt="2025-01-30T23:51:32.010" v="439" actId="20577"/>
+          <ac:spMkLst>
+            <pc:docMk/>
+            <pc:sldMk cId="3270898817" sldId="256"/>
+            <ac:spMk id="230" creationId="{F408B5EA-3CD9-64C9-A7FB-27F320CF5B85}"/>
+          </ac:spMkLst>
+        </pc:spChg>
+        <pc:spChg chg="mod">
+          <ac:chgData name="Bo Tang" userId="332dbdf67b1791cd" providerId="LiveId" clId="{689358FF-BA15-46ED-B23E-2C8B180D406D}" dt="2025-01-30T15:51:10.505" v="395" actId="20577"/>
+          <ac:spMkLst>
+            <pc:docMk/>
+            <pc:sldMk cId="3270898817" sldId="256"/>
+            <ac:spMk id="248" creationId="{76128252-3356-2879-3CDA-7EA49CF166E8}"/>
           </ac:spMkLst>
         </pc:spChg>
         <pc:spChg chg="mod">
@@ -304,11 +392,59 @@
           </ac:spMkLst>
         </pc:spChg>
         <pc:spChg chg="mod">
-          <ac:chgData name="Bo Tang" userId="332dbdf67b1791cd" providerId="LiveId" clId="{689358FF-BA15-46ED-B23E-2C8B180D406D}" dt="2025-01-30T13:10:45.429" v="339" actId="165"/>
+          <ac:chgData name="Bo Tang" userId="332dbdf67b1791cd" providerId="LiveId" clId="{689358FF-BA15-46ED-B23E-2C8B180D406D}" dt="2025-01-30T23:55:46.426" v="466" actId="1037"/>
           <ac:spMkLst>
             <pc:docMk/>
             <pc:sldMk cId="3270898817" sldId="256"/>
             <ac:spMk id="283" creationId="{AB7A9399-7DA5-2318-F371-B84DEFDF8955}"/>
+          </ac:spMkLst>
+        </pc:spChg>
+        <pc:spChg chg="mod">
+          <ac:chgData name="Bo Tang" userId="332dbdf67b1791cd" providerId="LiveId" clId="{689358FF-BA15-46ED-B23E-2C8B180D406D}" dt="2025-01-30T23:55:15.734" v="459"/>
+          <ac:spMkLst>
+            <pc:docMk/>
+            <pc:sldMk cId="3270898817" sldId="256"/>
+            <ac:spMk id="285" creationId="{3D740785-CC29-4B11-E591-D22F54333B3D}"/>
+          </ac:spMkLst>
+        </pc:spChg>
+        <pc:spChg chg="mod">
+          <ac:chgData name="Bo Tang" userId="332dbdf67b1791cd" providerId="LiveId" clId="{689358FF-BA15-46ED-B23E-2C8B180D406D}" dt="2025-01-30T23:55:15.734" v="459"/>
+          <ac:spMkLst>
+            <pc:docMk/>
+            <pc:sldMk cId="3270898817" sldId="256"/>
+            <ac:spMk id="288" creationId="{20220972-16E5-A801-2D71-3FB9FC2C8521}"/>
+          </ac:spMkLst>
+        </pc:spChg>
+        <pc:spChg chg="mod">
+          <ac:chgData name="Bo Tang" userId="332dbdf67b1791cd" providerId="LiveId" clId="{689358FF-BA15-46ED-B23E-2C8B180D406D}" dt="2025-01-30T23:55:15.734" v="459"/>
+          <ac:spMkLst>
+            <pc:docMk/>
+            <pc:sldMk cId="3270898817" sldId="256"/>
+            <ac:spMk id="289" creationId="{1901652D-CA48-291B-EA2A-E9C03A66BC0E}"/>
+          </ac:spMkLst>
+        </pc:spChg>
+        <pc:spChg chg="mod">
+          <ac:chgData name="Bo Tang" userId="332dbdf67b1791cd" providerId="LiveId" clId="{689358FF-BA15-46ED-B23E-2C8B180D406D}" dt="2025-01-30T23:55:15.734" v="459"/>
+          <ac:spMkLst>
+            <pc:docMk/>
+            <pc:sldMk cId="3270898817" sldId="256"/>
+            <ac:spMk id="290" creationId="{1F4D0141-11D1-BC28-FB19-5A057B90A6A8}"/>
+          </ac:spMkLst>
+        </pc:spChg>
+        <pc:spChg chg="mod">
+          <ac:chgData name="Bo Tang" userId="332dbdf67b1791cd" providerId="LiveId" clId="{689358FF-BA15-46ED-B23E-2C8B180D406D}" dt="2025-01-30T23:55:15.734" v="459"/>
+          <ac:spMkLst>
+            <pc:docMk/>
+            <pc:sldMk cId="3270898817" sldId="256"/>
+            <ac:spMk id="291" creationId="{6668952F-DA5D-9DE9-25C2-D87C62E6ACF2}"/>
+          </ac:spMkLst>
+        </pc:spChg>
+        <pc:spChg chg="mod">
+          <ac:chgData name="Bo Tang" userId="332dbdf67b1791cd" providerId="LiveId" clId="{689358FF-BA15-46ED-B23E-2C8B180D406D}" dt="2025-01-30T23:55:15.734" v="459"/>
+          <ac:spMkLst>
+            <pc:docMk/>
+            <pc:sldMk cId="3270898817" sldId="256"/>
+            <ac:spMk id="292" creationId="{8845A5B5-AF2D-E645-8CA0-72E39E05BDE6}"/>
           </ac:spMkLst>
         </pc:spChg>
         <pc:spChg chg="mod">
@@ -352,11 +488,27 @@
           </ac:spMkLst>
         </pc:spChg>
         <pc:spChg chg="mod">
-          <ac:chgData name="Bo Tang" userId="332dbdf67b1791cd" providerId="LiveId" clId="{689358FF-BA15-46ED-B23E-2C8B180D406D}" dt="2025-01-30T13:36:48.666" v="367" actId="164"/>
+          <ac:chgData name="Bo Tang" userId="332dbdf67b1791cd" providerId="LiveId" clId="{689358FF-BA15-46ED-B23E-2C8B180D406D}" dt="2025-01-30T23:56:27.737" v="468" actId="1076"/>
           <ac:spMkLst>
             <pc:docMk/>
             <pc:sldMk cId="3270898817" sldId="256"/>
             <ac:spMk id="316" creationId="{8D9FC8CD-9722-68F9-526D-A1EA7C1AAF99}"/>
+          </ac:spMkLst>
+        </pc:spChg>
+        <pc:spChg chg="mod">
+          <ac:chgData name="Bo Tang" userId="332dbdf67b1791cd" providerId="LiveId" clId="{689358FF-BA15-46ED-B23E-2C8B180D406D}" dt="2025-01-30T15:51:38.445" v="396" actId="20577"/>
+          <ac:spMkLst>
+            <pc:docMk/>
+            <pc:sldMk cId="3270898817" sldId="256"/>
+            <ac:spMk id="340" creationId="{7698816F-497F-D87E-0730-33FBE6D40DA6}"/>
+          </ac:spMkLst>
+        </pc:spChg>
+        <pc:spChg chg="mod">
+          <ac:chgData name="Bo Tang" userId="332dbdf67b1791cd" providerId="LiveId" clId="{689358FF-BA15-46ED-B23E-2C8B180D406D}" dt="2025-01-30T15:51:38.445" v="396" actId="20577"/>
+          <ac:spMkLst>
+            <pc:docMk/>
+            <pc:sldMk cId="3270898817" sldId="256"/>
+            <ac:spMk id="341" creationId="{0E840F84-05F3-9E46-A2F2-D732E925011F}"/>
           </ac:spMkLst>
         </pc:spChg>
         <pc:spChg chg="mod">
@@ -392,7 +544,7 @@
           </ac:spMkLst>
         </pc:spChg>
         <pc:spChg chg="mod">
-          <ac:chgData name="Bo Tang" userId="332dbdf67b1791cd" providerId="LiveId" clId="{689358FF-BA15-46ED-B23E-2C8B180D406D}" dt="2025-01-30T13:06:40.055" v="265" actId="403"/>
+          <ac:chgData name="Bo Tang" userId="332dbdf67b1791cd" providerId="LiveId" clId="{689358FF-BA15-46ED-B23E-2C8B180D406D}" dt="2025-01-30T15:51:38.445" v="396" actId="20577"/>
           <ac:spMkLst>
             <pc:docMk/>
             <pc:sldMk cId="3270898817" sldId="256"/>
@@ -416,7 +568,7 @@
           </ac:spMkLst>
         </pc:spChg>
         <pc:spChg chg="mod">
-          <ac:chgData name="Bo Tang" userId="332dbdf67b1791cd" providerId="LiveId" clId="{689358FF-BA15-46ED-B23E-2C8B180D406D}" dt="2025-01-30T13:36:12.747" v="359" actId="165"/>
+          <ac:chgData name="Bo Tang" userId="332dbdf67b1791cd" providerId="LiveId" clId="{689358FF-BA15-46ED-B23E-2C8B180D406D}" dt="2025-01-30T15:51:38.445" v="396" actId="20577"/>
           <ac:spMkLst>
             <pc:docMk/>
             <pc:sldMk cId="3270898817" sldId="256"/>
@@ -440,6 +592,14 @@
           </ac:spMkLst>
         </pc:spChg>
         <pc:spChg chg="mod">
+          <ac:chgData name="Bo Tang" userId="332dbdf67b1791cd" providerId="LiveId" clId="{689358FF-BA15-46ED-B23E-2C8B180D406D}" dt="2025-01-30T15:51:38.445" v="396" actId="20577"/>
+          <ac:spMkLst>
+            <pc:docMk/>
+            <pc:sldMk cId="3270898817" sldId="256"/>
+            <ac:spMk id="362" creationId="{C7E50F1E-A516-D577-E9CC-AF532E463A1B}"/>
+          </ac:spMkLst>
+        </pc:spChg>
+        <pc:spChg chg="mod">
           <ac:chgData name="Bo Tang" userId="332dbdf67b1791cd" providerId="LiveId" clId="{689358FF-BA15-46ED-B23E-2C8B180D406D}" dt="2025-01-30T13:06:40.055" v="265" actId="403"/>
           <ac:spMkLst>
             <pc:docMk/>
@@ -456,6 +616,14 @@
           </ac:spMkLst>
         </pc:spChg>
         <pc:spChg chg="mod">
+          <ac:chgData name="Bo Tang" userId="332dbdf67b1791cd" providerId="LiveId" clId="{689358FF-BA15-46ED-B23E-2C8B180D406D}" dt="2025-01-30T15:51:38.445" v="396" actId="20577"/>
+          <ac:spMkLst>
+            <pc:docMk/>
+            <pc:sldMk cId="3270898817" sldId="256"/>
+            <ac:spMk id="368" creationId="{E513350F-77F7-6DBF-8302-058953A55C4B}"/>
+          </ac:spMkLst>
+        </pc:spChg>
+        <pc:spChg chg="mod">
           <ac:chgData name="Bo Tang" userId="332dbdf67b1791cd" providerId="LiveId" clId="{689358FF-BA15-46ED-B23E-2C8B180D406D}" dt="2025-01-30T13:36:12.747" v="359" actId="165"/>
           <ac:spMkLst>
             <pc:docMk/>
@@ -464,11 +632,19 @@
           </ac:spMkLst>
         </pc:spChg>
         <pc:spChg chg="mod">
-          <ac:chgData name="Bo Tang" userId="332dbdf67b1791cd" providerId="LiveId" clId="{689358FF-BA15-46ED-B23E-2C8B180D406D}" dt="2025-01-30T13:06:40.055" v="265" actId="403"/>
+          <ac:chgData name="Bo Tang" userId="332dbdf67b1791cd" providerId="LiveId" clId="{689358FF-BA15-46ED-B23E-2C8B180D406D}" dt="2025-01-30T15:51:38.445" v="396" actId="20577"/>
           <ac:spMkLst>
             <pc:docMk/>
             <pc:sldMk cId="3270898817" sldId="256"/>
             <ac:spMk id="380" creationId="{2ADCA0CF-CE8F-C620-3FAD-3CB0976A1DB4}"/>
+          </ac:spMkLst>
+        </pc:spChg>
+        <pc:spChg chg="mod">
+          <ac:chgData name="Bo Tang" userId="332dbdf67b1791cd" providerId="LiveId" clId="{689358FF-BA15-46ED-B23E-2C8B180D406D}" dt="2025-01-30T15:51:38.445" v="396" actId="20577"/>
+          <ac:spMkLst>
+            <pc:docMk/>
+            <pc:sldMk cId="3270898817" sldId="256"/>
+            <ac:spMk id="382" creationId="{0CED84D2-DBEC-F374-D562-9EA49D9A5AC6}"/>
           </ac:spMkLst>
         </pc:spChg>
         <pc:spChg chg="mod">
@@ -504,7 +680,7 @@
           </ac:spMkLst>
         </pc:spChg>
         <pc:spChg chg="mod">
-          <ac:chgData name="Bo Tang" userId="332dbdf67b1791cd" providerId="LiveId" clId="{689358FF-BA15-46ED-B23E-2C8B180D406D}" dt="2025-01-30T13:36:06.367" v="358" actId="165"/>
+          <ac:chgData name="Bo Tang" userId="332dbdf67b1791cd" providerId="LiveId" clId="{689358FF-BA15-46ED-B23E-2C8B180D406D}" dt="2025-01-30T15:51:38.445" v="396" actId="20577"/>
           <ac:spMkLst>
             <pc:docMk/>
             <pc:sldMk cId="3270898817" sldId="256"/>
@@ -528,7 +704,15 @@
           </ac:grpSpMkLst>
         </pc:grpChg>
         <pc:grpChg chg="add mod">
-          <ac:chgData name="Bo Tang" userId="332dbdf67b1791cd" providerId="LiveId" clId="{689358FF-BA15-46ED-B23E-2C8B180D406D}" dt="2025-01-30T13:36:48.666" v="367" actId="164"/>
+          <ac:chgData name="Bo Tang" userId="332dbdf67b1791cd" providerId="LiveId" clId="{689358FF-BA15-46ED-B23E-2C8B180D406D}" dt="2025-01-30T19:05:18.964" v="430" actId="1076"/>
+          <ac:grpSpMkLst>
+            <pc:docMk/>
+            <pc:sldMk cId="3270898817" sldId="256"/>
+            <ac:grpSpMk id="2" creationId="{8FD5E543-BCC6-93AA-05DA-55A5D5385D45}"/>
+          </ac:grpSpMkLst>
+        </pc:grpChg>
+        <pc:grpChg chg="add mod">
+          <ac:chgData name="Bo Tang" userId="332dbdf67b1791cd" providerId="LiveId" clId="{689358FF-BA15-46ED-B23E-2C8B180D406D}" dt="2025-01-30T19:05:08.193" v="429" actId="14100"/>
           <ac:grpSpMkLst>
             <pc:docMk/>
             <pc:sldMk cId="3270898817" sldId="256"/>
@@ -543,32 +727,32 @@
             <ac:grpSpMk id="6" creationId="{ED31C997-A114-88AC-3584-70B495AB426B}"/>
           </ac:grpSpMkLst>
         </pc:grpChg>
-        <pc:grpChg chg="add mod">
-          <ac:chgData name="Bo Tang" userId="332dbdf67b1791cd" providerId="LiveId" clId="{689358FF-BA15-46ED-B23E-2C8B180D406D}" dt="2025-01-30T13:08:07.963" v="317" actId="164"/>
+        <pc:grpChg chg="add mod topLvl">
+          <ac:chgData name="Bo Tang" userId="332dbdf67b1791cd" providerId="LiveId" clId="{689358FF-BA15-46ED-B23E-2C8B180D406D}" dt="2025-01-30T19:04:39.073" v="426" actId="164"/>
           <ac:grpSpMkLst>
             <pc:docMk/>
             <pc:sldMk cId="3270898817" sldId="256"/>
             <ac:grpSpMk id="10" creationId="{2467EF09-616A-2AC8-E5BC-7628875494D2}"/>
           </ac:grpSpMkLst>
         </pc:grpChg>
-        <pc:grpChg chg="add mod">
-          <ac:chgData name="Bo Tang" userId="332dbdf67b1791cd" providerId="LiveId" clId="{689358FF-BA15-46ED-B23E-2C8B180D406D}" dt="2025-01-30T13:08:07.963" v="317" actId="164"/>
+        <pc:grpChg chg="add mod topLvl">
+          <ac:chgData name="Bo Tang" userId="332dbdf67b1791cd" providerId="LiveId" clId="{689358FF-BA15-46ED-B23E-2C8B180D406D}" dt="2025-01-30T19:04:39.073" v="426" actId="164"/>
           <ac:grpSpMkLst>
             <pc:docMk/>
             <pc:sldMk cId="3270898817" sldId="256"/>
             <ac:grpSpMk id="11" creationId="{1DE00BE1-131D-2168-7EB3-E829DF855524}"/>
           </ac:grpSpMkLst>
         </pc:grpChg>
-        <pc:grpChg chg="add mod">
-          <ac:chgData name="Bo Tang" userId="332dbdf67b1791cd" providerId="LiveId" clId="{689358FF-BA15-46ED-B23E-2C8B180D406D}" dt="2025-01-30T13:08:07.963" v="317" actId="164"/>
+        <pc:grpChg chg="add mod topLvl">
+          <ac:chgData name="Bo Tang" userId="332dbdf67b1791cd" providerId="LiveId" clId="{689358FF-BA15-46ED-B23E-2C8B180D406D}" dt="2025-01-30T19:04:39.073" v="426" actId="164"/>
           <ac:grpSpMkLst>
             <pc:docMk/>
             <pc:sldMk cId="3270898817" sldId="256"/>
             <ac:grpSpMk id="14" creationId="{1C865AE1-A55D-3165-145B-CF2495E2E9B0}"/>
           </ac:grpSpMkLst>
         </pc:grpChg>
-        <pc:grpChg chg="add mod">
-          <ac:chgData name="Bo Tang" userId="332dbdf67b1791cd" providerId="LiveId" clId="{689358FF-BA15-46ED-B23E-2C8B180D406D}" dt="2025-01-30T13:10:55.341" v="341" actId="164"/>
+        <pc:grpChg chg="add del mod">
+          <ac:chgData name="Bo Tang" userId="332dbdf67b1791cd" providerId="LiveId" clId="{689358FF-BA15-46ED-B23E-2C8B180D406D}" dt="2025-01-30T19:04:21.977" v="415" actId="165"/>
           <ac:grpSpMkLst>
             <pc:docMk/>
             <pc:sldMk cId="3270898817" sldId="256"/>
@@ -584,11 +768,27 @@
           </ac:grpSpMkLst>
         </pc:grpChg>
         <pc:grpChg chg="mod">
-          <ac:chgData name="Bo Tang" userId="332dbdf67b1791cd" providerId="LiveId" clId="{689358FF-BA15-46ED-B23E-2C8B180D406D}" dt="2025-01-30T13:01:34.426" v="56" actId="164"/>
+          <ac:chgData name="Bo Tang" userId="332dbdf67b1791cd" providerId="LiveId" clId="{689358FF-BA15-46ED-B23E-2C8B180D406D}" dt="2025-01-30T23:54:21.963" v="454"/>
           <ac:grpSpMkLst>
             <pc:docMk/>
             <pc:sldMk cId="3270898817" sldId="256"/>
             <ac:grpSpMk id="214" creationId="{850E512B-5DE6-A918-94D1-4F8280DBBC72}"/>
+          </ac:grpSpMkLst>
+        </pc:grpChg>
+        <pc:grpChg chg="mod">
+          <ac:chgData name="Bo Tang" userId="332dbdf67b1791cd" providerId="LiveId" clId="{689358FF-BA15-46ED-B23E-2C8B180D406D}" dt="2025-01-30T23:54:21.963" v="454"/>
+          <ac:grpSpMkLst>
+            <pc:docMk/>
+            <pc:sldMk cId="3270898817" sldId="256"/>
+            <ac:grpSpMk id="215" creationId="{611F540D-1F91-6969-6595-9159DAAC237C}"/>
+          </ac:grpSpMkLst>
+        </pc:grpChg>
+        <pc:grpChg chg="mod">
+          <ac:chgData name="Bo Tang" userId="332dbdf67b1791cd" providerId="LiveId" clId="{689358FF-BA15-46ED-B23E-2C8B180D406D}" dt="2025-01-30T23:51:32.010" v="439" actId="20577"/>
+          <ac:grpSpMkLst>
+            <pc:docMk/>
+            <pc:sldMk cId="3270898817" sldId="256"/>
+            <ac:grpSpMk id="221" creationId="{A01A0429-E378-D91C-6DC3-20FB72A22D4A}"/>
           </ac:grpSpMkLst>
         </pc:grpChg>
         <pc:grpChg chg="mod">
@@ -600,11 +800,27 @@
           </ac:grpSpMkLst>
         </pc:grpChg>
         <pc:grpChg chg="mod">
-          <ac:chgData name="Bo Tang" userId="332dbdf67b1791cd" providerId="LiveId" clId="{689358FF-BA15-46ED-B23E-2C8B180D406D}" dt="2025-01-30T13:01:34.426" v="56" actId="164"/>
+          <ac:chgData name="Bo Tang" userId="332dbdf67b1791cd" providerId="LiveId" clId="{689358FF-BA15-46ED-B23E-2C8B180D406D}" dt="2025-01-30T23:55:15.734" v="459"/>
           <ac:grpSpMkLst>
             <pc:docMk/>
             <pc:sldMk cId="3270898817" sldId="256"/>
             <ac:grpSpMk id="281" creationId="{C6F73B70-ED6C-C50D-529E-D5FAECD665C6}"/>
+          </ac:grpSpMkLst>
+        </pc:grpChg>
+        <pc:grpChg chg="mod">
+          <ac:chgData name="Bo Tang" userId="332dbdf67b1791cd" providerId="LiveId" clId="{689358FF-BA15-46ED-B23E-2C8B180D406D}" dt="2025-01-30T23:55:15.734" v="459"/>
+          <ac:grpSpMkLst>
+            <pc:docMk/>
+            <pc:sldMk cId="3270898817" sldId="256"/>
+            <ac:grpSpMk id="282" creationId="{8086A28E-A6D7-CF35-9A64-0C951B1BB86B}"/>
+          </ac:grpSpMkLst>
+        </pc:grpChg>
+        <pc:grpChg chg="mod">
+          <ac:chgData name="Bo Tang" userId="332dbdf67b1791cd" providerId="LiveId" clId="{689358FF-BA15-46ED-B23E-2C8B180D406D}" dt="2025-01-30T23:55:15.734" v="459"/>
+          <ac:grpSpMkLst>
+            <pc:docMk/>
+            <pc:sldMk cId="3270898817" sldId="256"/>
+            <ac:grpSpMk id="286" creationId="{5D48088D-8611-E4E0-708B-A8EA787A3732}"/>
           </ac:grpSpMkLst>
         </pc:grpChg>
         <pc:grpChg chg="mod">
@@ -672,7 +888,7 @@
           </ac:cxnSpMkLst>
         </pc:cxnChg>
         <pc:cxnChg chg="add mod">
-          <ac:chgData name="Bo Tang" userId="332dbdf67b1791cd" providerId="LiveId" clId="{689358FF-BA15-46ED-B23E-2C8B180D406D}" dt="2025-01-30T13:04:02.020" v="105" actId="164"/>
+          <ac:chgData name="Bo Tang" userId="332dbdf67b1791cd" providerId="LiveId" clId="{689358FF-BA15-46ED-B23E-2C8B180D406D}" dt="2025-01-30T19:04:21.977" v="415" actId="165"/>
           <ac:cxnSpMkLst>
             <pc:docMk/>
             <pc:sldMk cId="3270898817" sldId="256"/>
@@ -680,7 +896,7 @@
           </ac:cxnSpMkLst>
         </pc:cxnChg>
         <pc:cxnChg chg="mod">
-          <ac:chgData name="Bo Tang" userId="332dbdf67b1791cd" providerId="LiveId" clId="{689358FF-BA15-46ED-B23E-2C8B180D406D}" dt="2025-01-30T13:09:02.167" v="329" actId="208"/>
+          <ac:chgData name="Bo Tang" userId="332dbdf67b1791cd" providerId="LiveId" clId="{689358FF-BA15-46ED-B23E-2C8B180D406D}" dt="2025-01-30T19:04:21.977" v="415" actId="165"/>
           <ac:cxnSpMkLst>
             <pc:docMk/>
             <pc:sldMk cId="3270898817" sldId="256"/>
@@ -688,7 +904,7 @@
           </ac:cxnSpMkLst>
         </pc:cxnChg>
         <pc:cxnChg chg="mod">
-          <ac:chgData name="Bo Tang" userId="332dbdf67b1791cd" providerId="LiveId" clId="{689358FF-BA15-46ED-B23E-2C8B180D406D}" dt="2025-01-30T13:25:37.814" v="355" actId="208"/>
+          <ac:chgData name="Bo Tang" userId="332dbdf67b1791cd" providerId="LiveId" clId="{689358FF-BA15-46ED-B23E-2C8B180D406D}" dt="2025-01-30T19:04:21.977" v="415" actId="165"/>
           <ac:cxnSpMkLst>
             <pc:docMk/>
             <pc:sldMk cId="3270898817" sldId="256"/>
@@ -4431,9 +4647,9 @@
         <p:grpSpPr>
           <a:xfrm>
             <a:off x="506788" y="103278"/>
-            <a:ext cx="2360821" cy="2105439"/>
+            <a:ext cx="2360821" cy="2090050"/>
             <a:chOff x="873521" y="1278029"/>
-            <a:chExt cx="2360821" cy="2105439"/>
+            <a:chExt cx="2360821" cy="2090050"/>
           </a:xfrm>
         </p:grpSpPr>
         <p:grpSp>
@@ -4819,7 +5035,7 @@
               <p:spPr>
                 <a:xfrm>
                   <a:off x="873521" y="2712835"/>
-                  <a:ext cx="2360821" cy="670633"/>
+                  <a:ext cx="2360821" cy="655244"/>
                 </a:xfrm>
                 <a:prstGeom prst="rect">
                   <a:avLst/>
@@ -4844,79 +5060,28 @@
                       <a:latin typeface="Times New Roman" panose="02020603050405020304" pitchFamily="18" charset="0"/>
                       <a:cs typeface="Times New Roman" panose="02020603050405020304" pitchFamily="18" charset="0"/>
                     </a:rPr>
-                    <a:t>Samples of problem parameters </a:t>
+                    <a:t>Samples of parameters </a:t>
                   </a:r>
                   <a14:m>
                     <m:oMath xmlns:m="http://schemas.openxmlformats.org/officeDocument/2006/math">
-                      <m:r>
-                        <a:rPr lang="en-US" b="1" i="1">
-                          <a:solidFill>
-                            <a:schemeClr val="tx1">
-                              <a:lumMod val="95000"/>
-                              <a:lumOff val="5000"/>
-                            </a:schemeClr>
-                          </a:solidFill>
-                          <a:latin typeface="Cambria Math" panose="02040503050406030204" pitchFamily="18" charset="0"/>
-                          <a:ea typeface="Cambria Math" panose="02040503050406030204" pitchFamily="18" charset="0"/>
-                          <a:cs typeface="Times New Roman" panose="02020603050405020304" pitchFamily="18" charset="0"/>
-                        </a:rPr>
-                        <m:t>𝝃</m:t>
-                      </m:r>
-                      <m:r>
-                        <m:rPr>
-                          <m:sty m:val="p"/>
-                        </m:rPr>
-                        <a:rPr lang="el-GR" i="1">
-                          <a:solidFill>
-                            <a:schemeClr val="tx1">
-                              <a:lumMod val="95000"/>
-                              <a:lumOff val="5000"/>
-                            </a:schemeClr>
-                          </a:solidFill>
-                          <a:latin typeface="Cambria Math" panose="02040503050406030204" pitchFamily="18" charset="0"/>
-                          <a:ea typeface="Cambria Math" panose="02040503050406030204" pitchFamily="18" charset="0"/>
-                          <a:cs typeface="Times New Roman" panose="02020603050405020304" pitchFamily="18" charset="0"/>
-                        </a:rPr>
-                        <m:t>ϵ</m:t>
-                      </m:r>
-                      <m:sSub>
-                        <m:sSubPr>
+                      <m:sSup>
+                        <m:sSupPr>
                           <m:ctrlPr>
                             <a:rPr lang="en-US" i="1">
                               <a:solidFill>
-                                <a:schemeClr val="tx1">
-                                  <a:lumMod val="95000"/>
-                                  <a:lumOff val="5000"/>
-                                </a:schemeClr>
+                                <a:srgbClr val="002060"/>
                               </a:solidFill>
                               <a:latin typeface="Cambria Math" panose="02040503050406030204" pitchFamily="18" charset="0"/>
+                              <a:ea typeface="Cambria Math" panose="02040503050406030204" pitchFamily="18" charset="0"/>
                               <a:cs typeface="Times New Roman" panose="02020603050405020304" pitchFamily="18" charset="0"/>
                             </a:rPr>
                           </m:ctrlPr>
-                        </m:sSubPr>
+                        </m:sSupPr>
                         <m:e>
-                          <m:r>
-                            <a:rPr lang="en-US" i="1">
-                              <a:solidFill>
-                                <a:schemeClr val="tx1">
-                                  <a:lumMod val="95000"/>
-                                  <a:lumOff val="5000"/>
-                                </a:schemeClr>
-                              </a:solidFill>
-                              <a:latin typeface="Cambria Math" panose="02040503050406030204" pitchFamily="18" charset="0"/>
-                              <a:cs typeface="Times New Roman" panose="02020603050405020304" pitchFamily="18" charset="0"/>
-                            </a:rPr>
-                            <m:t>𝑃</m:t>
-                          </m:r>
-                        </m:e>
-                        <m:sub>
                           <m:r>
                             <a:rPr lang="en-US" b="1" i="1">
                               <a:solidFill>
-                                <a:schemeClr val="tx1">
-                                  <a:lumMod val="95000"/>
-                                  <a:lumOff val="5000"/>
-                                </a:schemeClr>
+                                <a:srgbClr val="002060"/>
                               </a:solidFill>
                               <a:latin typeface="Cambria Math" panose="02040503050406030204" pitchFamily="18" charset="0"/>
                               <a:ea typeface="Cambria Math" panose="02040503050406030204" pitchFamily="18" charset="0"/>
@@ -4924,8 +5089,21 @@
                             </a:rPr>
                             <m:t>𝝃</m:t>
                           </m:r>
-                        </m:sub>
-                      </m:sSub>
+                        </m:e>
+                        <m:sup>
+                          <m:r>
+                            <a:rPr lang="en-US" i="1">
+                              <a:solidFill>
+                                <a:srgbClr val="002060"/>
+                              </a:solidFill>
+                              <a:latin typeface="Cambria Math" panose="02040503050406030204" pitchFamily="18" charset="0"/>
+                              <a:ea typeface="Cambria Math" panose="02040503050406030204" pitchFamily="18" charset="0"/>
+                              <a:cs typeface="Times New Roman" panose="02020603050405020304" pitchFamily="18" charset="0"/>
+                            </a:rPr>
+                            <m:t>𝑖</m:t>
+                          </m:r>
+                        </m:sup>
+                      </m:sSup>
                     </m:oMath>
                   </a14:m>
                   <a:endParaRPr lang="en-US" dirty="0">
@@ -4960,7 +5138,7 @@
               <p:spPr>
                 <a:xfrm>
                   <a:off x="873521" y="2712835"/>
-                  <a:ext cx="2360821" cy="670633"/>
+                  <a:ext cx="2360821" cy="655244"/>
                 </a:xfrm>
                 <a:prstGeom prst="rect">
                   <a:avLst/>
@@ -4968,7 +5146,7 @@
                 <a:blipFill>
                   <a:blip r:embed="rId2"/>
                   <a:stretch>
-                    <a:fillRect t="-4545" b="-10000"/>
+                    <a:fillRect l="-517" t="-4630" r="-2326" b="-8333"/>
                   </a:stretch>
                 </a:blipFill>
               </p:spPr>
@@ -5003,9 +5181,9 @@
         <p:grpSpPr>
           <a:xfrm>
             <a:off x="3134824" y="103280"/>
-            <a:ext cx="2678836" cy="2100546"/>
+            <a:ext cx="2678836" cy="2102643"/>
             <a:chOff x="4187358" y="1713459"/>
-            <a:chExt cx="2678836" cy="2100548"/>
+            <a:chExt cx="2678836" cy="2102645"/>
           </a:xfrm>
         </p:grpSpPr>
         <p:grpSp>
@@ -6181,7 +6359,7 @@
               <p:spPr>
                 <a:xfrm>
                   <a:off x="4187358" y="3126234"/>
-                  <a:ext cx="2678836" cy="687773"/>
+                  <a:ext cx="2678836" cy="689870"/>
                 </a:xfrm>
                 <a:prstGeom prst="rect">
                   <a:avLst/>
@@ -6206,7 +6384,7 @@
                       <a:latin typeface="Times New Roman" panose="02020603050405020304" pitchFamily="18" charset="0"/>
                       <a:cs typeface="Times New Roman" panose="02020603050405020304" pitchFamily="18" charset="0"/>
                     </a:rPr>
-                    <a:t>Solution map</a:t>
+                    <a:t>Relaxed Solution map</a:t>
                   </a:r>
                   <a:r>
                     <a:rPr lang="en-US" altLang="zh-CN" dirty="0">
@@ -6221,201 +6399,171 @@
                     </a:rPr>
                     <a:t>ping</a:t>
                   </a:r>
-                  <a:r>
-                    <a:rPr lang="en-US" dirty="0">
-                      <a:solidFill>
-                        <a:schemeClr val="tx1">
-                          <a:lumMod val="95000"/>
-                          <a:lumOff val="5000"/>
-                        </a:schemeClr>
-                      </a:solidFill>
-                      <a:latin typeface="Times New Roman" panose="02020603050405020304" pitchFamily="18" charset="0"/>
-                      <a:cs typeface="Times New Roman" panose="02020603050405020304" pitchFamily="18" charset="0"/>
-                    </a:rPr>
-                    <a:t> </a:t>
-                  </a:r>
+                </a:p>
+                <a:p>
+                  <a:pPr algn="ctr"/>
                   <a14:m>
-                    <m:oMath xmlns:m="http://schemas.openxmlformats.org/officeDocument/2006/math">
-                      <m:sSub>
-                        <m:sSubPr>
-                          <m:ctrlPr>
-                            <a:rPr lang="en-US" i="1">
-                              <a:solidFill>
-                                <a:schemeClr val="tx1">
-                                  <a:lumMod val="95000"/>
-                                  <a:lumOff val="5000"/>
-                                </a:schemeClr>
-                              </a:solidFill>
-                              <a:latin typeface="Cambria Math" panose="02040503050406030204" pitchFamily="18" charset="0"/>
-                              <a:cs typeface="Times New Roman" panose="02020603050405020304" pitchFamily="18" charset="0"/>
-                            </a:rPr>
-                          </m:ctrlPr>
-                        </m:sSubPr>
-                        <m:e>
-                          <m:r>
-                            <a:rPr lang="en-US" i="1">
-                              <a:solidFill>
-                                <a:schemeClr val="tx1">
-                                  <a:lumMod val="95000"/>
-                                  <a:lumOff val="5000"/>
-                                </a:schemeClr>
-                              </a:solidFill>
-                              <a:latin typeface="Cambria Math" panose="02040503050406030204" pitchFamily="18" charset="0"/>
-                              <a:ea typeface="Cambria Math" panose="02040503050406030204" pitchFamily="18" charset="0"/>
-                              <a:cs typeface="Times New Roman" panose="02020603050405020304" pitchFamily="18" charset="0"/>
-                            </a:rPr>
-                            <m:t>𝜋</m:t>
-                          </m:r>
-                        </m:e>
-                        <m:sub>
-                          <m:sSub>
-                            <m:sSubPr>
-                              <m:ctrlPr>
-                                <a:rPr lang="en-US" i="1">
-                                  <a:solidFill>
-                                    <a:schemeClr val="tx1">
-                                      <a:lumMod val="95000"/>
-                                      <a:lumOff val="5000"/>
-                                    </a:schemeClr>
-                                  </a:solidFill>
-                                  <a:latin typeface="Cambria Math" panose="02040503050406030204" pitchFamily="18" charset="0"/>
-                                  <a:ea typeface="Cambria Math" panose="02040503050406030204" pitchFamily="18" charset="0"/>
-                                  <a:cs typeface="Times New Roman" panose="02020603050405020304" pitchFamily="18" charset="0"/>
-                                </a:rPr>
-                              </m:ctrlPr>
-                            </m:sSubPr>
-                            <m:e>
-                              <m:r>
-                                <m:rPr>
-                                  <m:sty m:val="p"/>
-                                </m:rPr>
-                                <a:rPr lang="en-US">
-                                  <a:solidFill>
-                                    <a:schemeClr val="tx1">
-                                      <a:lumMod val="95000"/>
-                                      <a:lumOff val="5000"/>
-                                    </a:schemeClr>
-                                  </a:solidFill>
-                                  <a:latin typeface="Cambria Math" panose="02040503050406030204" pitchFamily="18" charset="0"/>
-                                  <a:ea typeface="Cambria Math" panose="02040503050406030204" pitchFamily="18" charset="0"/>
-                                  <a:cs typeface="Times New Roman" panose="02020603050405020304" pitchFamily="18" charset="0"/>
-                                </a:rPr>
-                                <m:t>Θ</m:t>
-                              </m:r>
-                            </m:e>
-                            <m:sub>
-                              <m:r>
-                                <a:rPr lang="en-US" i="1">
-                                  <a:solidFill>
-                                    <a:schemeClr val="tx1">
-                                      <a:lumMod val="95000"/>
-                                      <a:lumOff val="5000"/>
-                                    </a:schemeClr>
-                                  </a:solidFill>
-                                  <a:latin typeface="Cambria Math" panose="02040503050406030204" pitchFamily="18" charset="0"/>
-                                  <a:ea typeface="Cambria Math" panose="02040503050406030204" pitchFamily="18" charset="0"/>
-                                  <a:cs typeface="Times New Roman" panose="02020603050405020304" pitchFamily="18" charset="0"/>
-                                </a:rPr>
-                                <m:t>1</m:t>
-                              </m:r>
-                            </m:sub>
-                          </m:sSub>
-                        </m:sub>
-                      </m:sSub>
-                      <m:d>
-                        <m:dPr>
-                          <m:ctrlPr>
-                            <a:rPr lang="en-US" i="1">
-                              <a:solidFill>
-                                <a:schemeClr val="tx1">
-                                  <a:lumMod val="95000"/>
-                                  <a:lumOff val="5000"/>
-                                </a:schemeClr>
-                              </a:solidFill>
-                              <a:latin typeface="Cambria Math" panose="02040503050406030204" pitchFamily="18" charset="0"/>
-                              <a:cs typeface="Times New Roman" panose="02020603050405020304" pitchFamily="18" charset="0"/>
-                            </a:rPr>
-                          </m:ctrlPr>
-                        </m:dPr>
-                        <m:e>
-                          <m:sSup>
-                            <m:sSupPr>
-                              <m:ctrlPr>
-                                <a:rPr lang="en-US" i="1">
-                                  <a:solidFill>
-                                    <a:schemeClr val="tx1">
-                                      <a:lumMod val="95000"/>
-                                      <a:lumOff val="5000"/>
-                                    </a:schemeClr>
-                                  </a:solidFill>
-                                  <a:latin typeface="Cambria Math" panose="02040503050406030204" pitchFamily="18" charset="0"/>
-                                  <a:ea typeface="Cambria Math" panose="02040503050406030204" pitchFamily="18" charset="0"/>
-                                  <a:cs typeface="Times New Roman" panose="02020603050405020304" pitchFamily="18" charset="0"/>
-                                </a:rPr>
-                              </m:ctrlPr>
-                            </m:sSupPr>
-                            <m:e>
-                              <m:r>
-                                <a:rPr lang="en-US" b="1" i="1">
-                                  <a:solidFill>
-                                    <a:schemeClr val="tx1">
-                                      <a:lumMod val="95000"/>
-                                      <a:lumOff val="5000"/>
-                                    </a:schemeClr>
-                                  </a:solidFill>
-                                  <a:latin typeface="Cambria Math" panose="02040503050406030204" pitchFamily="18" charset="0"/>
-                                  <a:ea typeface="Cambria Math" panose="02040503050406030204" pitchFamily="18" charset="0"/>
-                                  <a:cs typeface="Times New Roman" panose="02020603050405020304" pitchFamily="18" charset="0"/>
-                                </a:rPr>
-                                <m:t>𝝃</m:t>
-                              </m:r>
-                            </m:e>
-                            <m:sup>
-                              <m:r>
-                                <a:rPr lang="en-US" i="1">
-                                  <a:solidFill>
-                                    <a:schemeClr val="tx1">
-                                      <a:lumMod val="95000"/>
-                                      <a:lumOff val="5000"/>
-                                    </a:schemeClr>
-                                  </a:solidFill>
-                                  <a:latin typeface="Cambria Math" panose="02040503050406030204" pitchFamily="18" charset="0"/>
-                                  <a:ea typeface="Cambria Math" panose="02040503050406030204" pitchFamily="18" charset="0"/>
-                                  <a:cs typeface="Times New Roman" panose="02020603050405020304" pitchFamily="18" charset="0"/>
-                                </a:rPr>
-                                <m:t>𝑖</m:t>
-                              </m:r>
-                            </m:sup>
-                          </m:sSup>
-                        </m:e>
-                      </m:d>
-                    </m:oMath>
+                    <m:oMathPara xmlns:m="http://schemas.openxmlformats.org/officeDocument/2006/math">
+                      <m:oMathParaPr>
+                        <m:jc m:val="centerGroup"/>
+                      </m:oMathParaPr>
+                      <m:oMath xmlns:m="http://schemas.openxmlformats.org/officeDocument/2006/math">
+                        <m:sSub>
+                          <m:sSubPr>
+                            <m:ctrlPr>
+                              <a:rPr lang="en-US" i="1">
+                                <a:solidFill>
+                                  <a:schemeClr val="tx1">
+                                    <a:lumMod val="95000"/>
+                                    <a:lumOff val="5000"/>
+                                  </a:schemeClr>
+                                </a:solidFill>
+                                <a:latin typeface="Cambria Math" panose="02040503050406030204" pitchFamily="18" charset="0"/>
+                                <a:cs typeface="Times New Roman" panose="02020603050405020304" pitchFamily="18" charset="0"/>
+                              </a:rPr>
+                            </m:ctrlPr>
+                          </m:sSubPr>
+                          <m:e>
+                            <m:r>
+                              <a:rPr lang="en-US" i="1">
+                                <a:solidFill>
+                                  <a:schemeClr val="tx1">
+                                    <a:lumMod val="95000"/>
+                                    <a:lumOff val="5000"/>
+                                  </a:schemeClr>
+                                </a:solidFill>
+                                <a:latin typeface="Cambria Math" panose="02040503050406030204" pitchFamily="18" charset="0"/>
+                                <a:ea typeface="Cambria Math" panose="02040503050406030204" pitchFamily="18" charset="0"/>
+                                <a:cs typeface="Times New Roman" panose="02020603050405020304" pitchFamily="18" charset="0"/>
+                              </a:rPr>
+                              <m:t>𝜋</m:t>
+                            </m:r>
+                          </m:e>
+                          <m:sub>
+                            <m:sSub>
+                              <m:sSubPr>
+                                <m:ctrlPr>
+                                  <a:rPr lang="en-US" i="1">
+                                    <a:solidFill>
+                                      <a:schemeClr val="tx1">
+                                        <a:lumMod val="95000"/>
+                                        <a:lumOff val="5000"/>
+                                      </a:schemeClr>
+                                    </a:solidFill>
+                                    <a:latin typeface="Cambria Math" panose="02040503050406030204" pitchFamily="18" charset="0"/>
+                                    <a:ea typeface="Cambria Math" panose="02040503050406030204" pitchFamily="18" charset="0"/>
+                                    <a:cs typeface="Times New Roman" panose="02020603050405020304" pitchFamily="18" charset="0"/>
+                                  </a:rPr>
+                                </m:ctrlPr>
+                              </m:sSubPr>
+                              <m:e>
+                                <m:r>
+                                  <m:rPr>
+                                    <m:sty m:val="p"/>
+                                  </m:rPr>
+                                  <a:rPr lang="en-US">
+                                    <a:solidFill>
+                                      <a:schemeClr val="tx1">
+                                        <a:lumMod val="95000"/>
+                                        <a:lumOff val="5000"/>
+                                      </a:schemeClr>
+                                    </a:solidFill>
+                                    <a:latin typeface="Cambria Math" panose="02040503050406030204" pitchFamily="18" charset="0"/>
+                                    <a:ea typeface="Cambria Math" panose="02040503050406030204" pitchFamily="18" charset="0"/>
+                                    <a:cs typeface="Times New Roman" panose="02020603050405020304" pitchFamily="18" charset="0"/>
+                                  </a:rPr>
+                                  <m:t>Θ</m:t>
+                                </m:r>
+                              </m:e>
+                              <m:sub>
+                                <m:r>
+                                  <a:rPr lang="en-US" i="1">
+                                    <a:solidFill>
+                                      <a:schemeClr val="tx1">
+                                        <a:lumMod val="95000"/>
+                                        <a:lumOff val="5000"/>
+                                      </a:schemeClr>
+                                    </a:solidFill>
+                                    <a:latin typeface="Cambria Math" panose="02040503050406030204" pitchFamily="18" charset="0"/>
+                                    <a:ea typeface="Cambria Math" panose="02040503050406030204" pitchFamily="18" charset="0"/>
+                                    <a:cs typeface="Times New Roman" panose="02020603050405020304" pitchFamily="18" charset="0"/>
+                                  </a:rPr>
+                                  <m:t>1</m:t>
+                                </m:r>
+                              </m:sub>
+                            </m:sSub>
+                          </m:sub>
+                        </m:sSub>
+                        <m:d>
+                          <m:dPr>
+                            <m:ctrlPr>
+                              <a:rPr lang="en-US" i="1">
+                                <a:solidFill>
+                                  <a:schemeClr val="tx1">
+                                    <a:lumMod val="95000"/>
+                                    <a:lumOff val="5000"/>
+                                  </a:schemeClr>
+                                </a:solidFill>
+                                <a:latin typeface="Cambria Math" panose="02040503050406030204" pitchFamily="18" charset="0"/>
+                                <a:cs typeface="Times New Roman" panose="02020603050405020304" pitchFamily="18" charset="0"/>
+                              </a:rPr>
+                            </m:ctrlPr>
+                          </m:dPr>
+                          <m:e>
+                            <m:sSup>
+                              <m:sSupPr>
+                                <m:ctrlPr>
+                                  <a:rPr lang="en-US" i="1">
+                                    <a:solidFill>
+                                      <a:schemeClr val="tx1">
+                                        <a:lumMod val="95000"/>
+                                        <a:lumOff val="5000"/>
+                                      </a:schemeClr>
+                                    </a:solidFill>
+                                    <a:latin typeface="Cambria Math" panose="02040503050406030204" pitchFamily="18" charset="0"/>
+                                    <a:ea typeface="Cambria Math" panose="02040503050406030204" pitchFamily="18" charset="0"/>
+                                    <a:cs typeface="Times New Roman" panose="02020603050405020304" pitchFamily="18" charset="0"/>
+                                  </a:rPr>
+                                </m:ctrlPr>
+                              </m:sSupPr>
+                              <m:e>
+                                <m:r>
+                                  <a:rPr lang="en-US" b="1" i="1">
+                                    <a:solidFill>
+                                      <a:schemeClr val="tx1">
+                                        <a:lumMod val="95000"/>
+                                        <a:lumOff val="5000"/>
+                                      </a:schemeClr>
+                                    </a:solidFill>
+                                    <a:latin typeface="Cambria Math" panose="02040503050406030204" pitchFamily="18" charset="0"/>
+                                    <a:ea typeface="Cambria Math" panose="02040503050406030204" pitchFamily="18" charset="0"/>
+                                    <a:cs typeface="Times New Roman" panose="02020603050405020304" pitchFamily="18" charset="0"/>
+                                  </a:rPr>
+                                  <m:t>𝝃</m:t>
+                                </m:r>
+                              </m:e>
+                              <m:sup>
+                                <m:r>
+                                  <a:rPr lang="en-US" i="1">
+                                    <a:solidFill>
+                                      <a:schemeClr val="tx1">
+                                        <a:lumMod val="95000"/>
+                                        <a:lumOff val="5000"/>
+                                      </a:schemeClr>
+                                    </a:solidFill>
+                                    <a:latin typeface="Cambria Math" panose="02040503050406030204" pitchFamily="18" charset="0"/>
+                                    <a:ea typeface="Cambria Math" panose="02040503050406030204" pitchFamily="18" charset="0"/>
+                                    <a:cs typeface="Times New Roman" panose="02020603050405020304" pitchFamily="18" charset="0"/>
+                                  </a:rPr>
+                                  <m:t>𝑖</m:t>
+                                </m:r>
+                              </m:sup>
+                            </m:sSup>
+                          </m:e>
+                        </m:d>
+                      </m:oMath>
+                    </m:oMathPara>
                   </a14:m>
-                  <a:br>
-                    <a:rPr lang="en-US" dirty="0">
-                      <a:solidFill>
-                        <a:schemeClr val="tx1">
-                          <a:lumMod val="95000"/>
-                          <a:lumOff val="5000"/>
-                        </a:schemeClr>
-                      </a:solidFill>
-                      <a:latin typeface="Times New Roman" panose="02020603050405020304" pitchFamily="18" charset="0"/>
-                      <a:cs typeface="Times New Roman" panose="02020603050405020304" pitchFamily="18" charset="0"/>
-                    </a:rPr>
-                  </a:br>
-                  <a:r>
-                    <a:rPr lang="en-US" dirty="0">
-                      <a:solidFill>
-                        <a:schemeClr val="tx1">
-                          <a:lumMod val="95000"/>
-                          <a:lumOff val="5000"/>
-                        </a:schemeClr>
-                      </a:solidFill>
-                      <a:latin typeface="Times New Roman" panose="02020603050405020304" pitchFamily="18" charset="0"/>
-                      <a:cs typeface="Times New Roman" panose="02020603050405020304" pitchFamily="18" charset="0"/>
-                    </a:rPr>
-                    <a:t>for Continuous Relaxation</a:t>
-                  </a:r>
                   <a:endParaRPr lang="en-US" b="1" dirty="0">
                     <a:solidFill>
                       <a:schemeClr val="tx1">
@@ -6448,7 +6596,7 @@
               <p:spPr>
                 <a:xfrm>
                   <a:off x="4187358" y="3126234"/>
-                  <a:ext cx="2678836" cy="687773"/>
+                  <a:ext cx="2678836" cy="689870"/>
                 </a:xfrm>
                 <a:prstGeom prst="rect">
                   <a:avLst/>
@@ -6456,7 +6604,7 @@
                 <a:blipFill>
                   <a:blip r:embed="rId3"/>
                   <a:stretch>
-                    <a:fillRect l="-909" t="-2655" r="-682" b="-13274"/>
+                    <a:fillRect l="-909" t="-5310" r="-909" b="-3540"/>
                   </a:stretch>
                 </a:blipFill>
               </p:spPr>
@@ -8329,7 +8477,7 @@
                       <a:latin typeface="Times New Roman" panose="02020603050405020304" pitchFamily="18" charset="0"/>
                       <a:cs typeface="Times New Roman" panose="02020603050405020304" pitchFamily="18" charset="0"/>
                     </a:rPr>
-                    <a:t>R</a:t>
+                    <a:t>I</a:t>
                   </a:r>
                   <a:r>
                     <a:rPr lang="en-US" altLang="zh-CN" dirty="0">
@@ -8342,7 +8490,7 @@
                       <a:latin typeface="Times New Roman" panose="02020603050405020304" pitchFamily="18" charset="0"/>
                       <a:cs typeface="Times New Roman" panose="02020603050405020304" pitchFamily="18" charset="0"/>
                     </a:rPr>
-                    <a:t>ounding correction </a:t>
+                    <a:t>nteger correction layers </a:t>
                   </a:r>
                   <a14:m>
                     <m:oMath xmlns:m="http://schemas.openxmlformats.org/officeDocument/2006/math">
@@ -8599,54 +8747,6 @@
                         </a:rPr>
                         <m:t> </m:t>
                       </m:r>
-                      <m:r>
-                        <m:rPr>
-                          <m:sty m:val="p"/>
-                        </m:rPr>
-                        <a:rPr lang="en-US">
-                          <a:solidFill>
-                            <a:schemeClr val="tx1">
-                              <a:lumMod val="95000"/>
-                              <a:lumOff val="5000"/>
-                            </a:schemeClr>
-                          </a:solidFill>
-                          <a:latin typeface="Cambria Math" panose="02040503050406030204" pitchFamily="18" charset="0"/>
-                          <a:ea typeface="Cambria Math" panose="02040503050406030204" pitchFamily="18" charset="0"/>
-                          <a:cs typeface="Times New Roman" panose="02020603050405020304" pitchFamily="18" charset="0"/>
-                        </a:rPr>
-                        <m:t>for</m:t>
-                      </m:r>
-                      <m:r>
-                        <a:rPr lang="en-US">
-                          <a:solidFill>
-                            <a:schemeClr val="tx1">
-                              <a:lumMod val="95000"/>
-                              <a:lumOff val="5000"/>
-                            </a:schemeClr>
-                          </a:solidFill>
-                          <a:latin typeface="Cambria Math" panose="02040503050406030204" pitchFamily="18" charset="0"/>
-                          <a:ea typeface="Cambria Math" panose="02040503050406030204" pitchFamily="18" charset="0"/>
-                          <a:cs typeface="Times New Roman" panose="02020603050405020304" pitchFamily="18" charset="0"/>
-                        </a:rPr>
-                        <m:t> </m:t>
-                      </m:r>
-                      <m:r>
-                        <m:rPr>
-                          <m:sty m:val="p"/>
-                        </m:rPr>
-                        <a:rPr lang="en-US">
-                          <a:solidFill>
-                            <a:schemeClr val="tx1">
-                              <a:lumMod val="95000"/>
-                              <a:lumOff val="5000"/>
-                            </a:schemeClr>
-                          </a:solidFill>
-                          <a:latin typeface="Cambria Math" panose="02040503050406030204" pitchFamily="18" charset="0"/>
-                          <a:ea typeface="Cambria Math" panose="02040503050406030204" pitchFamily="18" charset="0"/>
-                          <a:cs typeface="Times New Roman" panose="02020603050405020304" pitchFamily="18" charset="0"/>
-                        </a:rPr>
-                        <m:t>integrality</m:t>
-                      </m:r>
                     </m:oMath>
                   </a14:m>
                   <a:endParaRPr lang="en-US" b="1" dirty="0">
@@ -8689,7 +8789,7 @@
                 <a:blipFill>
                   <a:blip r:embed="rId4"/>
                   <a:stretch>
-                    <a:fillRect t="-5310" r="-456" b="-3540"/>
+                    <a:fillRect t="-5310" b="-3540"/>
                   </a:stretch>
                 </a:blipFill>
               </p:spPr>
@@ -8723,10 +8823,10 @@
         </p:nvGrpSpPr>
         <p:grpSpPr>
           <a:xfrm>
-            <a:off x="295658" y="2837252"/>
-            <a:ext cx="2678837" cy="2126463"/>
-            <a:chOff x="9248581" y="1192590"/>
-            <a:chExt cx="2678837" cy="2126463"/>
+            <a:off x="309473" y="2837252"/>
+            <a:ext cx="2860192" cy="2073582"/>
+            <a:chOff x="9262396" y="1192590"/>
+            <a:chExt cx="2860192" cy="2073582"/>
           </a:xfrm>
         </p:grpSpPr>
         <p:grpSp>
@@ -9192,8 +9292,8 @@
               </p:nvSpPr>
               <p:spPr>
                 <a:xfrm>
-                  <a:off x="9248581" y="2672722"/>
-                  <a:ext cx="2678837" cy="646331"/>
+                  <a:off x="9262396" y="2619841"/>
+                  <a:ext cx="2860192" cy="646331"/>
                 </a:xfrm>
                 <a:prstGeom prst="rect">
                   <a:avLst/>
@@ -9218,7 +9318,23 @@
                       <a:latin typeface="Times New Roman" panose="02020603050405020304" pitchFamily="18" charset="0"/>
                       <a:cs typeface="Times New Roman" panose="02020603050405020304" pitchFamily="18" charset="0"/>
                     </a:rPr>
-                    <a:t>Loss function </a:t>
+                    <a:t>Loss function with penalties</a:t>
+                  </a:r>
+                </a:p>
+                <a:p>
+                  <a:pPr algn="ctr"/>
+                  <a:r>
+                    <a:rPr lang="en-US" dirty="0">
+                      <a:solidFill>
+                        <a:schemeClr val="tx1">
+                          <a:lumMod val="95000"/>
+                          <a:lumOff val="5000"/>
+                        </a:schemeClr>
+                      </a:solidFill>
+                      <a:latin typeface="Times New Roman" panose="02020603050405020304" pitchFamily="18" charset="0"/>
+                      <a:cs typeface="Times New Roman" panose="02020603050405020304" pitchFamily="18" charset="0"/>
+                    </a:rPr>
+                    <a:t> </a:t>
                   </a:r>
                   <a14:m>
                     <m:oMath xmlns:m="http://schemas.openxmlformats.org/officeDocument/2006/math">
@@ -9286,22 +9402,6 @@
                     <a:cs typeface="Times New Roman" panose="02020603050405020304" pitchFamily="18" charset="0"/>
                   </a:endParaRPr>
                 </a:p>
-                <a:p>
-                  <a:pPr algn="ctr"/>
-                  <a:r>
-                    <a:rPr lang="en-US" dirty="0">
-                      <a:solidFill>
-                        <a:schemeClr val="tx1">
-                          <a:lumMod val="95000"/>
-                          <a:lumOff val="5000"/>
-                        </a:schemeClr>
-                      </a:solidFill>
-                      <a:latin typeface="Times New Roman" panose="02020603050405020304" pitchFamily="18" charset="0"/>
-                      <a:cs typeface="Times New Roman" panose="02020603050405020304" pitchFamily="18" charset="0"/>
-                    </a:rPr>
-                    <a:t>with Constraint Penalties</a:t>
-                  </a:r>
-                </a:p>
               </p:txBody>
             </p:sp>
           </mc:Choice>
@@ -9322,8 +9422,8 @@
               </p:nvSpPr>
               <p:spPr>
                 <a:xfrm>
-                  <a:off x="9248581" y="2672722"/>
-                  <a:ext cx="2678837" cy="646331"/>
+                  <a:off x="9262396" y="2619841"/>
+                  <a:ext cx="2860192" cy="646331"/>
                 </a:xfrm>
                 <a:prstGeom prst="rect">
                   <a:avLst/>
@@ -9331,7 +9431,7 @@
                 <a:blipFill>
                   <a:blip r:embed="rId5"/>
                   <a:stretch>
-                    <a:fillRect t="-4717" b="-14151"/>
+                    <a:fillRect l="-640" t="-5660" r="-426"/>
                   </a:stretch>
                 </a:blipFill>
               </p:spPr>
@@ -9500,8 +9600,8 @@
           </p:style>
         </p:cxnSp>
       </p:grpSp>
-      <mc:AlternateContent xmlns:mc="http://schemas.openxmlformats.org/markup-compatibility/2006">
-        <mc:Choice xmlns:a14="http://schemas.microsoft.com/office/drawing/2010/main" Requires="a14">
+      <mc:AlternateContent xmlns:mc="http://schemas.openxmlformats.org/markup-compatibility/2006" xmlns:a14="http://schemas.microsoft.com/office/drawing/2010/main">
+        <mc:Choice Requires="a14">
           <p:sp>
             <p:nvSpPr>
               <p:cNvPr id="300" name="TextBox 299">
@@ -9591,7 +9691,7 @@
             </p:txBody>
           </p:sp>
         </mc:Choice>
-        <mc:Fallback>
+        <mc:Fallback xmlns="">
           <p:sp>
             <p:nvSpPr>
               <p:cNvPr id="300" name="TextBox 299">
@@ -10092,8 +10192,8 @@
           </mc:Fallback>
         </mc:AlternateContent>
       </p:grpSp>
-      <mc:AlternateContent xmlns:mc="http://schemas.openxmlformats.org/markup-compatibility/2006">
-        <mc:Choice xmlns:a14="http://schemas.microsoft.com/office/drawing/2010/main" Requires="a14">
+      <mc:AlternateContent xmlns:mc="http://schemas.openxmlformats.org/markup-compatibility/2006" xmlns:a14="http://schemas.microsoft.com/office/drawing/2010/main">
+        <mc:Choice Requires="a14">
           <p:sp>
             <p:nvSpPr>
               <p:cNvPr id="302" name="TextBox 301">
@@ -10360,7 +10460,7 @@
             </p:txBody>
           </p:sp>
         </mc:Choice>
-        <mc:Fallback>
+        <mc:Fallback xmlns="">
           <p:sp>
             <p:nvSpPr>
               <p:cNvPr id="302" name="TextBox 301">
@@ -10620,152 +10720,57 @@
         </p:nvGrpSpPr>
         <p:grpSpPr>
           <a:xfrm>
-            <a:off x="3109360" y="5647466"/>
-            <a:ext cx="2678837" cy="2086029"/>
-            <a:chOff x="3109360" y="5647466"/>
-            <a:chExt cx="2678837" cy="2086029"/>
+            <a:off x="3131924" y="5647466"/>
+            <a:ext cx="2860192" cy="1702088"/>
+            <a:chOff x="2918783" y="5647466"/>
+            <a:chExt cx="3089696" cy="1838665"/>
           </a:xfrm>
         </p:grpSpPr>
-        <mc:AlternateContent xmlns:mc="http://schemas.openxmlformats.org/markup-compatibility/2006">
-          <mc:Choice xmlns:a14="http://schemas.microsoft.com/office/drawing/2010/main" Requires="a14">
-            <p:sp>
-              <p:nvSpPr>
-                <p:cNvPr id="316" name="TextBox 315">
-                  <a:extLst>
-                    <a:ext uri="{FF2B5EF4-FFF2-40B4-BE49-F238E27FC236}">
-                      <a16:creationId xmlns:a16="http://schemas.microsoft.com/office/drawing/2014/main" id="{8D9FC8CD-9722-68F9-526D-A1EA7C1AAF99}"/>
-                    </a:ext>
-                  </a:extLst>
-                </p:cNvPr>
-                <p:cNvSpPr txBox="1"/>
-                <p:nvPr/>
-              </p:nvSpPr>
-              <p:spPr>
-                <a:xfrm>
-                  <a:off x="3109360" y="7087164"/>
-                  <a:ext cx="2678837" cy="646331"/>
-                </a:xfrm>
-                <a:prstGeom prst="rect">
-                  <a:avLst/>
-                </a:prstGeom>
-                <a:noFill/>
-              </p:spPr>
-              <p:txBody>
-                <a:bodyPr wrap="square">
-                  <a:spAutoFit/>
-                </a:bodyPr>
-                <a:lstStyle/>
-                <a:p>
-                  <a:pPr algn="ctr"/>
-                  <a:r>
-                    <a:rPr lang="en-US" dirty="0">
-                      <a:solidFill>
-                        <a:schemeClr val="tx1">
-                          <a:lumMod val="95000"/>
-                          <a:lumOff val="5000"/>
-                        </a:schemeClr>
-                      </a:solidFill>
-                      <a:latin typeface="Times New Roman" panose="02020603050405020304" pitchFamily="18" charset="0"/>
-                      <a:cs typeface="Times New Roman" panose="02020603050405020304" pitchFamily="18" charset="0"/>
-                    </a:rPr>
-                    <a:t>Feasibility Projection</a:t>
-                  </a:r>
-                </a:p>
-                <a:p>
-                  <a:pPr algn="ctr"/>
-                  <a:r>
-                    <a:rPr lang="en-US" dirty="0">
-                      <a:solidFill>
-                        <a:schemeClr val="tx1">
-                          <a:lumMod val="95000"/>
-                          <a:lumOff val="5000"/>
-                        </a:schemeClr>
-                      </a:solidFill>
-                      <a:latin typeface="Times New Roman" panose="02020603050405020304" pitchFamily="18" charset="0"/>
-                      <a:cs typeface="Times New Roman" panose="02020603050405020304" pitchFamily="18" charset="0"/>
-                    </a:rPr>
-                    <a:t>with </a:t>
-                  </a:r>
-                  <a14:m>
-                    <m:oMath xmlns:m="http://schemas.openxmlformats.org/officeDocument/2006/math">
-                      <m:r>
-                        <m:rPr>
-                          <m:sty m:val="p"/>
-                        </m:rPr>
-                        <a:rPr lang="en-US">
-                          <a:solidFill>
-                            <a:schemeClr val="tx1">
-                              <a:lumMod val="95000"/>
-                              <a:lumOff val="5000"/>
-                            </a:schemeClr>
-                          </a:solidFill>
-                          <a:latin typeface="Cambria Math" panose="02040503050406030204" pitchFamily="18" charset="0"/>
-                          <a:ea typeface="Cambria Math" panose="02040503050406030204" pitchFamily="18" charset="0"/>
-                          <a:cs typeface="Times New Roman" panose="02020603050405020304" pitchFamily="18" charset="0"/>
-                        </a:rPr>
-                        <m:t>integrality</m:t>
-                      </m:r>
-                    </m:oMath>
-                  </a14:m>
-                  <a:endParaRPr lang="en-US" dirty="0">
-                    <a:solidFill>
-                      <a:schemeClr val="tx1">
-                        <a:lumMod val="95000"/>
-                        <a:lumOff val="5000"/>
-                      </a:schemeClr>
-                    </a:solidFill>
-                    <a:latin typeface="Times New Roman" panose="02020603050405020304" pitchFamily="18" charset="0"/>
-                    <a:cs typeface="Times New Roman" panose="02020603050405020304" pitchFamily="18" charset="0"/>
-                  </a:endParaRPr>
-                </a:p>
-              </p:txBody>
-            </p:sp>
-          </mc:Choice>
-          <mc:Fallback>
-            <p:sp>
-              <p:nvSpPr>
-                <p:cNvPr id="316" name="TextBox 315">
-                  <a:extLst>
-                    <a:ext uri="{FF2B5EF4-FFF2-40B4-BE49-F238E27FC236}">
-                      <a16:creationId xmlns:a16="http://schemas.microsoft.com/office/drawing/2014/main" id="{8D9FC8CD-9722-68F9-526D-A1EA7C1AAF99}"/>
-                    </a:ext>
-                  </a:extLst>
-                </p:cNvPr>
-                <p:cNvSpPr txBox="1">
-                  <a:spLocks noRot="1" noChangeAspect="1" noMove="1" noResize="1" noEditPoints="1" noAdjustHandles="1" noChangeArrowheads="1" noChangeShapeType="1" noTextEdit="1"/>
-                </p:cNvSpPr>
-                <p:nvPr/>
-              </p:nvSpPr>
-              <p:spPr>
-                <a:xfrm>
-                  <a:off x="3109360" y="7087164"/>
-                  <a:ext cx="2678837" cy="646331"/>
-                </a:xfrm>
-                <a:prstGeom prst="rect">
-                  <a:avLst/>
-                </a:prstGeom>
-                <a:blipFill>
-                  <a:blip r:embed="rId10"/>
-                  <a:stretch>
-                    <a:fillRect t="-5660" b="-14151"/>
-                  </a:stretch>
-                </a:blipFill>
-              </p:spPr>
-              <p:txBody>
-                <a:bodyPr/>
-                <a:lstStyle/>
-                <a:p>
-                  <a:r>
-                    <a:rPr lang="en-US">
-                      <a:noFill/>
-                    </a:rPr>
-                    <a:t> </a:t>
-                  </a:r>
-                </a:p>
-              </p:txBody>
-            </p:sp>
-          </mc:Fallback>
-        </mc:AlternateContent>
+        <p:sp>
+          <p:nvSpPr>
+            <p:cNvPr id="316" name="TextBox 315">
+              <a:extLst>
+                <a:ext uri="{FF2B5EF4-FFF2-40B4-BE49-F238E27FC236}">
+                  <a16:creationId xmlns:a16="http://schemas.microsoft.com/office/drawing/2014/main" id="{8D9FC8CD-9722-68F9-526D-A1EA7C1AAF99}"/>
+                </a:ext>
+              </a:extLst>
+            </p:cNvPr>
+            <p:cNvSpPr txBox="1"/>
+            <p:nvPr/>
+          </p:nvSpPr>
+          <p:spPr>
+            <a:xfrm>
+              <a:off x="2918783" y="7087163"/>
+              <a:ext cx="3089696" cy="398968"/>
+            </a:xfrm>
+            <a:prstGeom prst="rect">
+              <a:avLst/>
+            </a:prstGeom>
+            <a:noFill/>
+          </p:spPr>
+          <p:txBody>
+            <a:bodyPr wrap="square">
+              <a:spAutoFit/>
+            </a:bodyPr>
+            <a:lstStyle/>
+            <a:p>
+              <a:pPr algn="ctr"/>
+              <a:r>
+                <a:rPr lang="en-US" dirty="0">
+                  <a:solidFill>
+                    <a:schemeClr val="tx1">
+                      <a:lumMod val="95000"/>
+                      <a:lumOff val="5000"/>
+                    </a:schemeClr>
+                  </a:solidFill>
+                  <a:latin typeface="Times New Roman" panose="02020603050405020304" pitchFamily="18" charset="0"/>
+                  <a:cs typeface="Times New Roman" panose="02020603050405020304" pitchFamily="18" charset="0"/>
+                </a:rPr>
+                <a:t>Integer feasibility projection</a:t>
+              </a:r>
+            </a:p>
+          </p:txBody>
+        </p:sp>
         <p:grpSp>
           <p:nvGrpSpPr>
             <p:cNvPr id="405" name="Group 404">
@@ -13564,10 +13569,10 @@
       </p:cxnSp>
       <p:grpSp>
         <p:nvGrpSpPr>
-          <p:cNvPr id="17" name="Group 16">
+          <p:cNvPr id="2" name="Group 1">
             <a:extLst>
               <a:ext uri="{FF2B5EF4-FFF2-40B4-BE49-F238E27FC236}">
-                <a16:creationId xmlns:a16="http://schemas.microsoft.com/office/drawing/2014/main" id="{0E70BE77-033D-8C09-5F97-51CEB03BE3F8}"/>
+                <a16:creationId xmlns:a16="http://schemas.microsoft.com/office/drawing/2014/main" id="{8FD5E543-BCC6-93AA-05DA-55A5D5385D45}"/>
               </a:ext>
             </a:extLst>
           </p:cNvPr>
@@ -13576,10 +13581,10 @@
         </p:nvGrpSpPr>
         <p:grpSpPr>
           <a:xfrm>
-            <a:off x="716535" y="5771363"/>
-            <a:ext cx="2151073" cy="925905"/>
-            <a:chOff x="1237074" y="5448309"/>
-            <a:chExt cx="2151073" cy="925905"/>
+            <a:off x="823422" y="5729028"/>
+            <a:ext cx="2151073" cy="1010575"/>
+            <a:chOff x="716535" y="5729028"/>
+            <a:chExt cx="2151073" cy="1010575"/>
           </a:xfrm>
         </p:grpSpPr>
         <p:grpSp>
@@ -13596,7 +13601,7 @@
           </p:nvGrpSpPr>
           <p:grpSpPr>
             <a:xfrm>
-              <a:off x="1237074" y="5448309"/>
+              <a:off x="716535" y="5729028"/>
               <a:ext cx="2151073" cy="338554"/>
               <a:chOff x="1237074" y="5448309"/>
               <a:chExt cx="2151073" cy="338554"/>
@@ -13702,7 +13707,7 @@
           </p:nvGrpSpPr>
           <p:grpSpPr>
             <a:xfrm>
-              <a:off x="1237074" y="5735089"/>
+              <a:off x="716535" y="6058143"/>
               <a:ext cx="2151073" cy="338554"/>
               <a:chOff x="1237074" y="5448309"/>
               <a:chExt cx="2151073" cy="338554"/>
@@ -13828,7 +13833,7 @@
           </p:nvGrpSpPr>
           <p:grpSpPr>
             <a:xfrm>
-              <a:off x="1237074" y="6035660"/>
+              <a:off x="716535" y="6401049"/>
               <a:ext cx="2151073" cy="338554"/>
               <a:chOff x="1237074" y="5448309"/>
               <a:chExt cx="2151073" cy="338554"/>
